--- a/Week4/Motivations.pptx
+++ b/Week4/Motivations.pptx
@@ -14,6 +14,19 @@
     <p:sldId id="262" r:id="rId8"/>
     <p:sldId id="263" r:id="rId9"/>
     <p:sldId id="264" r:id="rId10"/>
+    <p:sldId id="265" r:id="rId11"/>
+    <p:sldId id="266" r:id="rId12"/>
+    <p:sldId id="267" r:id="rId13"/>
+    <p:sldId id="268" r:id="rId14"/>
+    <p:sldId id="269" r:id="rId15"/>
+    <p:sldId id="270" r:id="rId16"/>
+    <p:sldId id="271" r:id="rId17"/>
+    <p:sldId id="272" r:id="rId18"/>
+    <p:sldId id="273" r:id="rId19"/>
+    <p:sldId id="274" r:id="rId20"/>
+    <p:sldId id="275" r:id="rId21"/>
+    <p:sldId id="276" r:id="rId22"/>
+    <p:sldId id="277" r:id="rId23"/>
   </p:sldIdLst>
   <p:sldSz cx="12192000" cy="6858000"/>
   <p:notesSz cx="6858000" cy="9144000"/>
@@ -112,6 +125,11 @@
       </a:defRPr>
     </a:lvl9pPr>
   </p:defaultTextStyle>
+  <p:extLst>
+    <p:ext uri="{EFAFB233-063F-42B5-8137-9DF3F51BA10A}">
+      <p15:sldGuideLst xmlns:p15="http://schemas.microsoft.com/office/powerpoint/2012/main"/>
+    </p:ext>
+  </p:extLst>
 </p:presentation>
 </file>
 
@@ -262,7 +280,7 @@
           <a:p>
             <a:fld id="{4219E5E4-4927-4850-B7E0-24344CB5D97F}" type="datetimeFigureOut">
               <a:rPr lang="vi-VN" smtClean="0"/>
-              <a:t>08/09/2020</a:t>
+              <a:t>09/09/2020</a:t>
             </a:fld>
             <a:endParaRPr lang="vi-VN"/>
           </a:p>
@@ -460,7 +478,7 @@
           <a:p>
             <a:fld id="{4219E5E4-4927-4850-B7E0-24344CB5D97F}" type="datetimeFigureOut">
               <a:rPr lang="vi-VN" smtClean="0"/>
-              <a:t>08/09/2020</a:t>
+              <a:t>09/09/2020</a:t>
             </a:fld>
             <a:endParaRPr lang="vi-VN"/>
           </a:p>
@@ -668,7 +686,7 @@
           <a:p>
             <a:fld id="{4219E5E4-4927-4850-B7E0-24344CB5D97F}" type="datetimeFigureOut">
               <a:rPr lang="vi-VN" smtClean="0"/>
-              <a:t>08/09/2020</a:t>
+              <a:t>09/09/2020</a:t>
             </a:fld>
             <a:endParaRPr lang="vi-VN"/>
           </a:p>
@@ -866,7 +884,7 @@
           <a:p>
             <a:fld id="{4219E5E4-4927-4850-B7E0-24344CB5D97F}" type="datetimeFigureOut">
               <a:rPr lang="vi-VN" smtClean="0"/>
-              <a:t>08/09/2020</a:t>
+              <a:t>09/09/2020</a:t>
             </a:fld>
             <a:endParaRPr lang="vi-VN"/>
           </a:p>
@@ -1141,7 +1159,7 @@
           <a:p>
             <a:fld id="{4219E5E4-4927-4850-B7E0-24344CB5D97F}" type="datetimeFigureOut">
               <a:rPr lang="vi-VN" smtClean="0"/>
-              <a:t>08/09/2020</a:t>
+              <a:t>09/09/2020</a:t>
             </a:fld>
             <a:endParaRPr lang="vi-VN"/>
           </a:p>
@@ -1406,7 +1424,7 @@
           <a:p>
             <a:fld id="{4219E5E4-4927-4850-B7E0-24344CB5D97F}" type="datetimeFigureOut">
               <a:rPr lang="vi-VN" smtClean="0"/>
-              <a:t>08/09/2020</a:t>
+              <a:t>09/09/2020</a:t>
             </a:fld>
             <a:endParaRPr lang="vi-VN"/>
           </a:p>
@@ -1818,7 +1836,7 @@
           <a:p>
             <a:fld id="{4219E5E4-4927-4850-B7E0-24344CB5D97F}" type="datetimeFigureOut">
               <a:rPr lang="vi-VN" smtClean="0"/>
-              <a:t>08/09/2020</a:t>
+              <a:t>09/09/2020</a:t>
             </a:fld>
             <a:endParaRPr lang="vi-VN"/>
           </a:p>
@@ -1959,7 +1977,7 @@
           <a:p>
             <a:fld id="{4219E5E4-4927-4850-B7E0-24344CB5D97F}" type="datetimeFigureOut">
               <a:rPr lang="vi-VN" smtClean="0"/>
-              <a:t>08/09/2020</a:t>
+              <a:t>09/09/2020</a:t>
             </a:fld>
             <a:endParaRPr lang="vi-VN"/>
           </a:p>
@@ -2072,7 +2090,7 @@
           <a:p>
             <a:fld id="{4219E5E4-4927-4850-B7E0-24344CB5D97F}" type="datetimeFigureOut">
               <a:rPr lang="vi-VN" smtClean="0"/>
-              <a:t>08/09/2020</a:t>
+              <a:t>09/09/2020</a:t>
             </a:fld>
             <a:endParaRPr lang="vi-VN"/>
           </a:p>
@@ -2383,7 +2401,7 @@
           <a:p>
             <a:fld id="{4219E5E4-4927-4850-B7E0-24344CB5D97F}" type="datetimeFigureOut">
               <a:rPr lang="vi-VN" smtClean="0"/>
-              <a:t>08/09/2020</a:t>
+              <a:t>09/09/2020</a:t>
             </a:fld>
             <a:endParaRPr lang="vi-VN"/>
           </a:p>
@@ -2671,7 +2689,7 @@
           <a:p>
             <a:fld id="{4219E5E4-4927-4850-B7E0-24344CB5D97F}" type="datetimeFigureOut">
               <a:rPr lang="vi-VN" smtClean="0"/>
-              <a:t>08/09/2020</a:t>
+              <a:t>09/09/2020</a:t>
             </a:fld>
             <a:endParaRPr lang="vi-VN"/>
           </a:p>
@@ -2912,7 +2930,7 @@
           <a:p>
             <a:fld id="{4219E5E4-4927-4850-B7E0-24344CB5D97F}" type="datetimeFigureOut">
               <a:rPr lang="vi-VN" smtClean="0"/>
-              <a:t>08/09/2020</a:t>
+              <a:t>09/09/2020</a:t>
             </a:fld>
             <a:endParaRPr lang="vi-VN"/>
           </a:p>
@@ -3403,6 +3421,1763 @@
 </p:sld>
 </file>
 
+<file path=ppt/slides/slide10.xml><?xml version="1.0" encoding="utf-8"?>
+<p:sld xmlns:a="http://schemas.openxmlformats.org/drawingml/2006/main" xmlns:r="http://schemas.openxmlformats.org/officeDocument/2006/relationships" xmlns:p="http://schemas.openxmlformats.org/presentationml/2006/main">
+  <p:cSld>
+    <p:spTree>
+      <p:nvGrpSpPr>
+        <p:cNvPr id="1" name=""/>
+        <p:cNvGrpSpPr/>
+        <p:nvPr/>
+      </p:nvGrpSpPr>
+      <p:grpSpPr>
+        <a:xfrm>
+          <a:off x="0" y="0"/>
+          <a:ext cx="0" cy="0"/>
+          <a:chOff x="0" y="0"/>
+          <a:chExt cx="0" cy="0"/>
+        </a:xfrm>
+      </p:grpSpPr>
+      <p:sp>
+        <p:nvSpPr>
+          <p:cNvPr id="2" name="Title 1">
+            <a:extLst>
+              <a:ext uri="{FF2B5EF4-FFF2-40B4-BE49-F238E27FC236}">
+                <a16:creationId xmlns:a16="http://schemas.microsoft.com/office/drawing/2014/main" id="{667F40AC-69FE-4C31-8E5C-9E872895E6A8}"/>
+              </a:ext>
+            </a:extLst>
+          </p:cNvPr>
+          <p:cNvSpPr>
+            <a:spLocks noGrp="1"/>
+          </p:cNvSpPr>
+          <p:nvPr>
+            <p:ph type="title"/>
+          </p:nvPr>
+        </p:nvSpPr>
+        <p:spPr>
+          <a:xfrm>
+            <a:off x="838200" y="365125"/>
+            <a:ext cx="10515600" cy="879865"/>
+          </a:xfrm>
+        </p:spPr>
+        <p:txBody>
+          <a:bodyPr/>
+          <a:lstStyle/>
+          <a:p>
+            <a:r>
+              <a:rPr lang="en-US">
+                <a:cs typeface="Calibri Light"/>
+              </a:rPr>
+              <a:t>Neural in the brain</a:t>
+            </a:r>
+            <a:endParaRPr lang="en-US"/>
+          </a:p>
+        </p:txBody>
+      </p:sp>
+      <p:pic>
+        <p:nvPicPr>
+          <p:cNvPr id="4" name="Picture 4">
+            <a:extLst>
+              <a:ext uri="{FF2B5EF4-FFF2-40B4-BE49-F238E27FC236}">
+                <a16:creationId xmlns:a16="http://schemas.microsoft.com/office/drawing/2014/main" id="{360D5059-C2B6-4DFC-B67E-C87DDE6C37FC}"/>
+              </a:ext>
+            </a:extLst>
+          </p:cNvPr>
+          <p:cNvPicPr>
+            <a:picLocks noGrp="1" noChangeAspect="1"/>
+          </p:cNvPicPr>
+          <p:nvPr>
+            <p:ph idx="1"/>
+          </p:nvPr>
+        </p:nvPicPr>
+        <p:blipFill>
+          <a:blip r:embed="rId2"/>
+          <a:stretch>
+            <a:fillRect/>
+          </a:stretch>
+        </p:blipFill>
+        <p:spPr>
+          <a:xfrm>
+            <a:off x="2531223" y="1371765"/>
+            <a:ext cx="6353175" cy="3533775"/>
+          </a:xfrm>
+        </p:spPr>
+      </p:pic>
+      <p:sp>
+        <p:nvSpPr>
+          <p:cNvPr id="5" name="TextBox 4">
+            <a:extLst>
+              <a:ext uri="{FF2B5EF4-FFF2-40B4-BE49-F238E27FC236}">
+                <a16:creationId xmlns:a16="http://schemas.microsoft.com/office/drawing/2014/main" id="{CD7AFB12-1EC3-49E8-BBCD-A956B584D924}"/>
+              </a:ext>
+            </a:extLst>
+          </p:cNvPr>
+          <p:cNvSpPr txBox="1"/>
+          <p:nvPr/>
+        </p:nvSpPr>
+        <p:spPr>
+          <a:xfrm>
+            <a:off x="1518249" y="5126966"/>
+            <a:ext cx="9859992" cy="1200329"/>
+          </a:xfrm>
+          <a:prstGeom prst="rect">
+            <a:avLst/>
+          </a:prstGeom>
+          <a:noFill/>
+        </p:spPr>
+        <p:txBody>
+          <a:bodyPr rot="0" spcFirstLastPara="0" vertOverflow="overflow" horzOverflow="overflow" vert="horz" wrap="square" lIns="91440" tIns="45720" rIns="91440" bIns="45720" numCol="1" spcCol="0" rtlCol="0" fromWordArt="0" anchor="t" anchorCtr="0" forceAA="0" compatLnSpc="1">
+            <a:prstTxWarp prst="textNoShape">
+              <a:avLst/>
+            </a:prstTxWarp>
+            <a:spAutoFit/>
+          </a:bodyPr>
+          <a:lstStyle/>
+          <a:p>
+            <a:r>
+              <a:rPr lang="en-US" sz="2400">
+                <a:ea typeface="+mn-lt"/>
+                <a:cs typeface="+mn-lt"/>
+              </a:rPr>
+              <a:t>At a very simple level, neurons are basically computational units that take input (dendrites) as electrical input (called "spikes") that are channeled to outputs (axons).</a:t>
+            </a:r>
+            <a:endParaRPr lang="en-US" sz="2400"/>
+          </a:p>
+        </p:txBody>
+      </p:sp>
+    </p:spTree>
+    <p:extLst>
+      <p:ext uri="{BB962C8B-B14F-4D97-AF65-F5344CB8AC3E}">
+        <p14:creationId xmlns:p14="http://schemas.microsoft.com/office/powerpoint/2010/main" val="1825991035"/>
+      </p:ext>
+    </p:extLst>
+  </p:cSld>
+  <p:clrMapOvr>
+    <a:masterClrMapping/>
+  </p:clrMapOvr>
+</p:sld>
+</file>
+
+<file path=ppt/slides/slide11.xml><?xml version="1.0" encoding="utf-8"?>
+<p:sld xmlns:a="http://schemas.openxmlformats.org/drawingml/2006/main" xmlns:r="http://schemas.openxmlformats.org/officeDocument/2006/relationships" xmlns:p="http://schemas.openxmlformats.org/presentationml/2006/main">
+  <p:cSld>
+    <p:spTree>
+      <p:nvGrpSpPr>
+        <p:cNvPr id="1" name=""/>
+        <p:cNvGrpSpPr/>
+        <p:nvPr/>
+      </p:nvGrpSpPr>
+      <p:grpSpPr>
+        <a:xfrm>
+          <a:off x="0" y="0"/>
+          <a:ext cx="0" cy="0"/>
+          <a:chOff x="0" y="0"/>
+          <a:chExt cx="0" cy="0"/>
+        </a:xfrm>
+      </p:grpSpPr>
+      <p:pic>
+        <p:nvPicPr>
+          <p:cNvPr id="6" name="Picture 6">
+            <a:extLst>
+              <a:ext uri="{FF2B5EF4-FFF2-40B4-BE49-F238E27FC236}">
+                <a16:creationId xmlns:a16="http://schemas.microsoft.com/office/drawing/2014/main" id="{8E2F3B00-8999-47AA-8298-8AA77A104E1E}"/>
+              </a:ext>
+            </a:extLst>
+          </p:cNvPr>
+          <p:cNvPicPr>
+            <a:picLocks noGrp="1" noChangeAspect="1"/>
+          </p:cNvPicPr>
+          <p:nvPr>
+            <p:ph idx="1"/>
+          </p:nvPr>
+        </p:nvPicPr>
+        <p:blipFill>
+          <a:blip r:embed="rId2"/>
+          <a:stretch>
+            <a:fillRect/>
+          </a:stretch>
+        </p:blipFill>
+        <p:spPr>
+          <a:xfrm>
+            <a:off x="1498121" y="1380122"/>
+            <a:ext cx="8865079" cy="4854155"/>
+          </a:xfrm>
+        </p:spPr>
+      </p:pic>
+      <p:sp>
+        <p:nvSpPr>
+          <p:cNvPr id="5" name="Title 1">
+            <a:extLst>
+              <a:ext uri="{FF2B5EF4-FFF2-40B4-BE49-F238E27FC236}">
+                <a16:creationId xmlns:a16="http://schemas.microsoft.com/office/drawing/2014/main" id="{7D237A6C-7538-4971-A9A2-83C825E23AE2}"/>
+              </a:ext>
+            </a:extLst>
+          </p:cNvPr>
+          <p:cNvSpPr>
+            <a:spLocks noGrp="1"/>
+          </p:cNvSpPr>
+          <p:nvPr>
+            <p:ph type="title"/>
+          </p:nvPr>
+        </p:nvSpPr>
+        <p:spPr>
+          <a:xfrm>
+            <a:off x="838200" y="365125"/>
+            <a:ext cx="10515600" cy="879865"/>
+          </a:xfrm>
+        </p:spPr>
+        <p:txBody>
+          <a:bodyPr/>
+          <a:lstStyle/>
+          <a:p>
+            <a:r>
+              <a:rPr lang="en-US">
+                <a:cs typeface="Calibri Light"/>
+              </a:rPr>
+              <a:t>Neural model: Logistic unit</a:t>
+            </a:r>
+            <a:endParaRPr lang="en-US"/>
+          </a:p>
+        </p:txBody>
+      </p:sp>
+    </p:spTree>
+    <p:extLst>
+      <p:ext uri="{BB962C8B-B14F-4D97-AF65-F5344CB8AC3E}">
+        <p14:creationId xmlns:p14="http://schemas.microsoft.com/office/powerpoint/2010/main" val="374607376"/>
+      </p:ext>
+    </p:extLst>
+  </p:cSld>
+  <p:clrMapOvr>
+    <a:masterClrMapping/>
+  </p:clrMapOvr>
+</p:sld>
+</file>
+
+<file path=ppt/slides/slide12.xml><?xml version="1.0" encoding="utf-8"?>
+<p:sld xmlns:a="http://schemas.openxmlformats.org/drawingml/2006/main" xmlns:r="http://schemas.openxmlformats.org/officeDocument/2006/relationships" xmlns:p="http://schemas.openxmlformats.org/presentationml/2006/main">
+  <p:cSld>
+    <p:spTree>
+      <p:nvGrpSpPr>
+        <p:cNvPr id="1" name=""/>
+        <p:cNvGrpSpPr/>
+        <p:nvPr/>
+      </p:nvGrpSpPr>
+      <p:grpSpPr>
+        <a:xfrm>
+          <a:off x="0" y="0"/>
+          <a:ext cx="0" cy="0"/>
+          <a:chOff x="0" y="0"/>
+          <a:chExt cx="0" cy="0"/>
+        </a:xfrm>
+      </p:grpSpPr>
+      <p:pic>
+        <p:nvPicPr>
+          <p:cNvPr id="9" name="Picture 9">
+            <a:extLst>
+              <a:ext uri="{FF2B5EF4-FFF2-40B4-BE49-F238E27FC236}">
+                <a16:creationId xmlns:a16="http://schemas.microsoft.com/office/drawing/2014/main" id="{D8C8A93B-E928-450D-9C76-6093708DD432}"/>
+              </a:ext>
+            </a:extLst>
+          </p:cNvPr>
+          <p:cNvPicPr>
+            <a:picLocks noGrp="1" noChangeAspect="1"/>
+          </p:cNvPicPr>
+          <p:nvPr>
+            <p:ph idx="1"/>
+          </p:nvPr>
+        </p:nvPicPr>
+        <p:blipFill>
+          <a:blip r:embed="rId2"/>
+          <a:stretch>
+            <a:fillRect/>
+          </a:stretch>
+        </p:blipFill>
+        <p:spPr>
+          <a:xfrm>
+            <a:off x="1802674" y="1206072"/>
+            <a:ext cx="8569265" cy="4896748"/>
+          </a:xfrm>
+        </p:spPr>
+      </p:pic>
+      <p:sp>
+        <p:nvSpPr>
+          <p:cNvPr id="8" name="Title 1">
+            <a:extLst>
+              <a:ext uri="{FF2B5EF4-FFF2-40B4-BE49-F238E27FC236}">
+                <a16:creationId xmlns:a16="http://schemas.microsoft.com/office/drawing/2014/main" id="{21987279-DB85-40C6-81E1-2176EE516463}"/>
+              </a:ext>
+            </a:extLst>
+          </p:cNvPr>
+          <p:cNvSpPr>
+            <a:spLocks noGrp="1"/>
+          </p:cNvSpPr>
+          <p:nvPr>
+            <p:ph type="title"/>
+          </p:nvPr>
+        </p:nvSpPr>
+        <p:spPr>
+          <a:xfrm>
+            <a:off x="838200" y="365125"/>
+            <a:ext cx="10515600" cy="879865"/>
+          </a:xfrm>
+        </p:spPr>
+        <p:txBody>
+          <a:bodyPr/>
+          <a:lstStyle/>
+          <a:p>
+            <a:r>
+              <a:rPr lang="en-US">
+                <a:cs typeface="Calibri Light"/>
+              </a:rPr>
+              <a:t>Neural network</a:t>
+            </a:r>
+            <a:endParaRPr lang="en-US"/>
+          </a:p>
+        </p:txBody>
+      </p:sp>
+    </p:spTree>
+    <p:extLst>
+      <p:ext uri="{BB962C8B-B14F-4D97-AF65-F5344CB8AC3E}">
+        <p14:creationId xmlns:p14="http://schemas.microsoft.com/office/powerpoint/2010/main" val="3922543470"/>
+      </p:ext>
+    </p:extLst>
+  </p:cSld>
+  <p:clrMapOvr>
+    <a:masterClrMapping/>
+  </p:clrMapOvr>
+</p:sld>
+</file>
+
+<file path=ppt/slides/slide13.xml><?xml version="1.0" encoding="utf-8"?>
+<p:sld xmlns:a="http://schemas.openxmlformats.org/drawingml/2006/main" xmlns:r="http://schemas.openxmlformats.org/officeDocument/2006/relationships" xmlns:p="http://schemas.openxmlformats.org/presentationml/2006/main">
+  <p:cSld>
+    <p:spTree>
+      <p:nvGrpSpPr>
+        <p:cNvPr id="1" name=""/>
+        <p:cNvGrpSpPr/>
+        <p:nvPr/>
+      </p:nvGrpSpPr>
+      <p:grpSpPr>
+        <a:xfrm>
+          <a:off x="0" y="0"/>
+          <a:ext cx="0" cy="0"/>
+          <a:chOff x="0" y="0"/>
+          <a:chExt cx="0" cy="0"/>
+        </a:xfrm>
+      </p:grpSpPr>
+      <p:pic>
+        <p:nvPicPr>
+          <p:cNvPr id="6" name="Picture 6">
+            <a:extLst>
+              <a:ext uri="{FF2B5EF4-FFF2-40B4-BE49-F238E27FC236}">
+                <a16:creationId xmlns:a16="http://schemas.microsoft.com/office/drawing/2014/main" id="{A896F78F-53EB-4222-8DCF-5F47DD426532}"/>
+              </a:ext>
+            </a:extLst>
+          </p:cNvPr>
+          <p:cNvPicPr>
+            <a:picLocks noGrp="1" noChangeAspect="1"/>
+          </p:cNvPicPr>
+          <p:nvPr>
+            <p:ph idx="1"/>
+          </p:nvPr>
+        </p:nvPicPr>
+        <p:blipFill>
+          <a:blip r:embed="rId2"/>
+          <a:stretch>
+            <a:fillRect/>
+          </a:stretch>
+        </p:blipFill>
+        <p:spPr>
+          <a:xfrm>
+            <a:off x="1862137" y="1406361"/>
+            <a:ext cx="8467725" cy="4629150"/>
+          </a:xfrm>
+        </p:spPr>
+      </p:pic>
+      <p:sp>
+        <p:nvSpPr>
+          <p:cNvPr id="5" name="Title 1">
+            <a:extLst>
+              <a:ext uri="{FF2B5EF4-FFF2-40B4-BE49-F238E27FC236}">
+                <a16:creationId xmlns:a16="http://schemas.microsoft.com/office/drawing/2014/main" id="{6A5FA509-933D-43F6-940E-7977DD29BC18}"/>
+              </a:ext>
+            </a:extLst>
+          </p:cNvPr>
+          <p:cNvSpPr>
+            <a:spLocks noGrp="1"/>
+          </p:cNvSpPr>
+          <p:nvPr>
+            <p:ph type="title"/>
+          </p:nvPr>
+        </p:nvSpPr>
+        <p:spPr>
+          <a:xfrm>
+            <a:off x="838200" y="365125"/>
+            <a:ext cx="10515600" cy="879865"/>
+          </a:xfrm>
+        </p:spPr>
+        <p:txBody>
+          <a:bodyPr/>
+          <a:lstStyle/>
+          <a:p>
+            <a:r>
+              <a:rPr lang="en-US">
+                <a:cs typeface="Calibri Light"/>
+              </a:rPr>
+              <a:t>Model presentation II: </a:t>
+            </a:r>
+            <a:r>
+              <a:rPr lang="en-US">
+                <a:ea typeface="+mj-lt"/>
+                <a:cs typeface="+mj-lt"/>
+              </a:rPr>
+              <a:t>Forward propagation</a:t>
+            </a:r>
+            <a:endParaRPr lang="en-US" dirty="0">
+              <a:cs typeface="Calibri Light"/>
+            </a:endParaRPr>
+          </a:p>
+        </p:txBody>
+      </p:sp>
+    </p:spTree>
+    <p:extLst>
+      <p:ext uri="{BB962C8B-B14F-4D97-AF65-F5344CB8AC3E}">
+        <p14:creationId xmlns:p14="http://schemas.microsoft.com/office/powerpoint/2010/main" val="2174808802"/>
+      </p:ext>
+    </p:extLst>
+  </p:cSld>
+  <p:clrMapOvr>
+    <a:masterClrMapping/>
+  </p:clrMapOvr>
+</p:sld>
+</file>
+
+<file path=ppt/slides/slide14.xml><?xml version="1.0" encoding="utf-8"?>
+<p:sld xmlns:a="http://schemas.openxmlformats.org/drawingml/2006/main" xmlns:r="http://schemas.openxmlformats.org/officeDocument/2006/relationships" xmlns:p="http://schemas.openxmlformats.org/presentationml/2006/main">
+  <p:cSld>
+    <p:spTree>
+      <p:nvGrpSpPr>
+        <p:cNvPr id="1" name=""/>
+        <p:cNvGrpSpPr/>
+        <p:nvPr/>
+      </p:nvGrpSpPr>
+      <p:grpSpPr>
+        <a:xfrm>
+          <a:off x="0" y="0"/>
+          <a:ext cx="0" cy="0"/>
+          <a:chOff x="0" y="0"/>
+          <a:chExt cx="0" cy="0"/>
+        </a:xfrm>
+      </p:grpSpPr>
+      <p:pic>
+        <p:nvPicPr>
+          <p:cNvPr id="6" name="Picture 6">
+            <a:extLst>
+              <a:ext uri="{FF2B5EF4-FFF2-40B4-BE49-F238E27FC236}">
+                <a16:creationId xmlns:a16="http://schemas.microsoft.com/office/drawing/2014/main" id="{0FB214DE-42E3-41D9-AD55-A84E7FA78795}"/>
+              </a:ext>
+            </a:extLst>
+          </p:cNvPr>
+          <p:cNvPicPr>
+            <a:picLocks noGrp="1" noChangeAspect="1"/>
+          </p:cNvPicPr>
+          <p:nvPr>
+            <p:ph idx="1"/>
+          </p:nvPr>
+        </p:nvPicPr>
+        <p:blipFill>
+          <a:blip r:embed="rId2"/>
+          <a:stretch>
+            <a:fillRect/>
+          </a:stretch>
+        </p:blipFill>
+        <p:spPr>
+          <a:xfrm>
+            <a:off x="1463256" y="1711161"/>
+            <a:ext cx="8690394" cy="4307097"/>
+          </a:xfrm>
+        </p:spPr>
+      </p:pic>
+      <p:sp>
+        <p:nvSpPr>
+          <p:cNvPr id="5" name="Title 1">
+            <a:extLst>
+              <a:ext uri="{FF2B5EF4-FFF2-40B4-BE49-F238E27FC236}">
+                <a16:creationId xmlns:a16="http://schemas.microsoft.com/office/drawing/2014/main" id="{8736B082-1957-4E38-A57B-0CF2591D7849}"/>
+              </a:ext>
+            </a:extLst>
+          </p:cNvPr>
+          <p:cNvSpPr>
+            <a:spLocks noGrp="1"/>
+          </p:cNvSpPr>
+          <p:nvPr>
+            <p:ph type="title"/>
+          </p:nvPr>
+        </p:nvSpPr>
+        <p:spPr>
+          <a:xfrm>
+            <a:off x="838200" y="365125"/>
+            <a:ext cx="10515600" cy="879865"/>
+          </a:xfrm>
+        </p:spPr>
+        <p:txBody>
+          <a:bodyPr/>
+          <a:lstStyle/>
+          <a:p>
+            <a:r>
+              <a:rPr lang="en-US" dirty="0">
+                <a:ea typeface="+mj-lt"/>
+                <a:cs typeface="+mj-lt"/>
+              </a:rPr>
+              <a:t>Other network architectures</a:t>
+            </a:r>
+          </a:p>
+        </p:txBody>
+      </p:sp>
+    </p:spTree>
+    <p:extLst>
+      <p:ext uri="{BB962C8B-B14F-4D97-AF65-F5344CB8AC3E}">
+        <p14:creationId xmlns:p14="http://schemas.microsoft.com/office/powerpoint/2010/main" val="1338905470"/>
+      </p:ext>
+    </p:extLst>
+  </p:cSld>
+  <p:clrMapOvr>
+    <a:masterClrMapping/>
+  </p:clrMapOvr>
+</p:sld>
+</file>
+
+<file path=ppt/slides/slide15.xml><?xml version="1.0" encoding="utf-8"?>
+<p:sld xmlns:a="http://schemas.openxmlformats.org/drawingml/2006/main" xmlns:r="http://schemas.openxmlformats.org/officeDocument/2006/relationships" xmlns:p="http://schemas.openxmlformats.org/presentationml/2006/main">
+  <p:cSld>
+    <p:spTree>
+      <p:nvGrpSpPr>
+        <p:cNvPr id="1" name=""/>
+        <p:cNvGrpSpPr/>
+        <p:nvPr/>
+      </p:nvGrpSpPr>
+      <p:grpSpPr>
+        <a:xfrm>
+          <a:off x="0" y="0"/>
+          <a:ext cx="0" cy="0"/>
+          <a:chOff x="0" y="0"/>
+          <a:chExt cx="0" cy="0"/>
+        </a:xfrm>
+      </p:grpSpPr>
+      <p:sp>
+        <p:nvSpPr>
+          <p:cNvPr id="4" name="TextBox 3"/>
+          <p:cNvSpPr txBox="1"/>
+          <p:nvPr/>
+        </p:nvSpPr>
+        <p:spPr>
+          <a:xfrm>
+            <a:off x="956603" y="464234"/>
+            <a:ext cx="10156874" cy="584775"/>
+          </a:xfrm>
+          <a:prstGeom prst="rect">
+            <a:avLst/>
+          </a:prstGeom>
+          <a:noFill/>
+        </p:spPr>
+        <p:txBody>
+          <a:bodyPr wrap="square" rtlCol="0">
+            <a:spAutoFit/>
+          </a:bodyPr>
+          <a:lstStyle/>
+          <a:p>
+            <a:pPr marL="342900" indent="-342900">
+              <a:buFont typeface="Wingdings" panose="05000000000000000000" pitchFamily="2" charset="2"/>
+              <a:buChar char="v"/>
+            </a:pPr>
+            <a:r>
+              <a:rPr lang="en-US" sz="3200" b="1" dirty="0"/>
+              <a:t>Non- linear classification example: XOR/ XNOR </a:t>
+            </a:r>
+          </a:p>
+        </p:txBody>
+      </p:sp>
+      <mc:AlternateContent xmlns:mc="http://schemas.openxmlformats.org/markup-compatibility/2006" xmlns:a14="http://schemas.microsoft.com/office/drawing/2010/main">
+        <mc:Choice Requires="a14">
+          <p:sp>
+            <p:nvSpPr>
+              <p:cNvPr id="5" name="TextBox 4"/>
+              <p:cNvSpPr txBox="1"/>
+              <p:nvPr/>
+            </p:nvSpPr>
+            <p:spPr>
+              <a:xfrm>
+                <a:off x="956603" y="1252024"/>
+                <a:ext cx="7835705" cy="461665"/>
+              </a:xfrm>
+              <a:prstGeom prst="rect">
+                <a:avLst/>
+              </a:prstGeom>
+              <a:noFill/>
+            </p:spPr>
+            <p:txBody>
+              <a:bodyPr wrap="square" rtlCol="0">
+                <a:spAutoFit/>
+              </a:bodyPr>
+              <a:lstStyle/>
+              <a:p>
+                <a14:m>
+                  <m:oMath xmlns:m="http://schemas.openxmlformats.org/officeDocument/2006/math">
+                    <m:sSub>
+                      <m:sSubPr>
+                        <m:ctrlPr>
+                          <a:rPr lang="en-US" sz="2400" i="1" smtClean="0">
+                            <a:latin typeface="Cambria Math" panose="02040503050406030204" pitchFamily="18" charset="0"/>
+                          </a:rPr>
+                        </m:ctrlPr>
+                      </m:sSubPr>
+                      <m:e>
+                        <m:r>
+                          <a:rPr lang="en-US" sz="2400" b="0" i="1" smtClean="0">
+                            <a:latin typeface="Cambria Math" panose="02040503050406030204" pitchFamily="18" charset="0"/>
+                          </a:rPr>
+                          <m:t>𝑥</m:t>
+                        </m:r>
+                      </m:e>
+                      <m:sub>
+                        <m:r>
+                          <a:rPr lang="en-US" sz="2400" b="0" i="1" smtClean="0">
+                            <a:latin typeface="Cambria Math" panose="02040503050406030204" pitchFamily="18" charset="0"/>
+                          </a:rPr>
+                          <m:t>1</m:t>
+                        </m:r>
+                      </m:sub>
+                    </m:sSub>
+                    <m:r>
+                      <a:rPr lang="en-US" sz="2400" b="0" i="1" smtClean="0">
+                        <a:latin typeface="Cambria Math" panose="02040503050406030204" pitchFamily="18" charset="0"/>
+                      </a:rPr>
+                      <m:t>, </m:t>
+                    </m:r>
+                    <m:sSub>
+                      <m:sSubPr>
+                        <m:ctrlPr>
+                          <a:rPr lang="en-US" sz="2400" b="0" i="1" smtClean="0">
+                            <a:latin typeface="Cambria Math" panose="02040503050406030204" pitchFamily="18" charset="0"/>
+                          </a:rPr>
+                        </m:ctrlPr>
+                      </m:sSubPr>
+                      <m:e>
+                        <m:r>
+                          <a:rPr lang="en-US" sz="2400" b="0" i="1" smtClean="0">
+                            <a:latin typeface="Cambria Math" panose="02040503050406030204" pitchFamily="18" charset="0"/>
+                          </a:rPr>
+                          <m:t>𝑥</m:t>
+                        </m:r>
+                      </m:e>
+                      <m:sub>
+                        <m:r>
+                          <a:rPr lang="en-US" sz="2400" b="0" i="1" smtClean="0">
+                            <a:latin typeface="Cambria Math" panose="02040503050406030204" pitchFamily="18" charset="0"/>
+                          </a:rPr>
+                          <m:t>2</m:t>
+                        </m:r>
+                      </m:sub>
+                    </m:sSub>
+                  </m:oMath>
+                </a14:m>
+                <a:r>
+                  <a:rPr lang="en-US" sz="2400"/>
+                  <a:t> are binary (0 or 1)</a:t>
+                </a:r>
+              </a:p>
+            </p:txBody>
+          </p:sp>
+        </mc:Choice>
+        <mc:Fallback xmlns="">
+          <p:sp>
+            <p:nvSpPr>
+              <p:cNvPr id="5" name="TextBox 4"/>
+              <p:cNvSpPr txBox="1">
+                <a:spLocks noRot="1" noChangeAspect="1" noMove="1" noResize="1" noEditPoints="1" noAdjustHandles="1" noChangeArrowheads="1" noChangeShapeType="1" noTextEdit="1"/>
+              </p:cNvSpPr>
+              <p:nvPr/>
+            </p:nvSpPr>
+            <p:spPr>
+              <a:xfrm>
+                <a:off x="956603" y="1252024"/>
+                <a:ext cx="7835705" cy="461665"/>
+              </a:xfrm>
+              <a:prstGeom prst="rect">
+                <a:avLst/>
+              </a:prstGeom>
+              <a:blipFill>
+                <a:blip r:embed="rId3"/>
+                <a:stretch>
+                  <a:fillRect t="-10526" b="-28947"/>
+                </a:stretch>
+              </a:blipFill>
+            </p:spPr>
+            <p:txBody>
+              <a:bodyPr/>
+              <a:lstStyle/>
+              <a:p>
+                <a:r>
+                  <a:rPr lang="en-US">
+                    <a:noFill/>
+                  </a:rPr>
+                  <a:t> </a:t>
+                </a:r>
+              </a:p>
+            </p:txBody>
+          </p:sp>
+        </mc:Fallback>
+      </mc:AlternateContent>
+      <p:pic>
+        <p:nvPicPr>
+          <p:cNvPr id="6" name="Picture 5"/>
+          <p:cNvPicPr>
+            <a:picLocks noChangeAspect="1"/>
+          </p:cNvPicPr>
+          <p:nvPr/>
+        </p:nvPicPr>
+        <p:blipFill>
+          <a:blip r:embed="rId4"/>
+          <a:stretch>
+            <a:fillRect/>
+          </a:stretch>
+        </p:blipFill>
+        <p:spPr>
+          <a:xfrm>
+            <a:off x="7265963" y="1916704"/>
+            <a:ext cx="3962400" cy="3181350"/>
+          </a:xfrm>
+          <a:prstGeom prst="rect">
+            <a:avLst/>
+          </a:prstGeom>
+        </p:spPr>
+      </p:pic>
+      <p:pic>
+        <p:nvPicPr>
+          <p:cNvPr id="7" name="Picture 6"/>
+          <p:cNvPicPr>
+            <a:picLocks noChangeAspect="1"/>
+          </p:cNvPicPr>
+          <p:nvPr/>
+        </p:nvPicPr>
+        <p:blipFill>
+          <a:blip r:embed="rId5"/>
+          <a:stretch>
+            <a:fillRect/>
+          </a:stretch>
+        </p:blipFill>
+        <p:spPr>
+          <a:xfrm>
+            <a:off x="1235905" y="1916704"/>
+            <a:ext cx="3638550" cy="2447925"/>
+          </a:xfrm>
+          <a:prstGeom prst="rect">
+            <a:avLst/>
+          </a:prstGeom>
+        </p:spPr>
+      </p:pic>
+      <p:pic>
+        <p:nvPicPr>
+          <p:cNvPr id="8" name="Picture 7"/>
+          <p:cNvPicPr>
+            <a:picLocks noChangeAspect="1"/>
+          </p:cNvPicPr>
+          <p:nvPr/>
+        </p:nvPicPr>
+        <p:blipFill>
+          <a:blip r:embed="rId6"/>
+          <a:stretch>
+            <a:fillRect/>
+          </a:stretch>
+        </p:blipFill>
+        <p:spPr>
+          <a:xfrm>
+            <a:off x="1235905" y="4847493"/>
+            <a:ext cx="3533775" cy="1524000"/>
+          </a:xfrm>
+          <a:prstGeom prst="rect">
+            <a:avLst/>
+          </a:prstGeom>
+        </p:spPr>
+      </p:pic>
+    </p:spTree>
+    <p:extLst>
+      <p:ext uri="{BB962C8B-B14F-4D97-AF65-F5344CB8AC3E}">
+        <p14:creationId xmlns:p14="http://schemas.microsoft.com/office/powerpoint/2010/main" val="3951312425"/>
+      </p:ext>
+    </p:extLst>
+  </p:cSld>
+  <p:clrMapOvr>
+    <a:masterClrMapping/>
+  </p:clrMapOvr>
+</p:sld>
+</file>
+
+<file path=ppt/slides/slide16.xml><?xml version="1.0" encoding="utf-8"?>
+<p:sld xmlns:a="http://schemas.openxmlformats.org/drawingml/2006/main" xmlns:r="http://schemas.openxmlformats.org/officeDocument/2006/relationships" xmlns:p="http://schemas.openxmlformats.org/presentationml/2006/main">
+  <p:cSld>
+    <p:spTree>
+      <p:nvGrpSpPr>
+        <p:cNvPr id="1" name=""/>
+        <p:cNvGrpSpPr/>
+        <p:nvPr/>
+      </p:nvGrpSpPr>
+      <p:grpSpPr>
+        <a:xfrm>
+          <a:off x="0" y="0"/>
+          <a:ext cx="0" cy="0"/>
+          <a:chOff x="0" y="0"/>
+          <a:chExt cx="0" cy="0"/>
+        </a:xfrm>
+      </p:grpSpPr>
+      <p:sp>
+        <p:nvSpPr>
+          <p:cNvPr id="4" name="TextBox 3"/>
+          <p:cNvSpPr txBox="1"/>
+          <p:nvPr/>
+        </p:nvSpPr>
+        <p:spPr>
+          <a:xfrm>
+            <a:off x="956603" y="464234"/>
+            <a:ext cx="10156874" cy="584775"/>
+          </a:xfrm>
+          <a:prstGeom prst="rect">
+            <a:avLst/>
+          </a:prstGeom>
+          <a:noFill/>
+        </p:spPr>
+        <p:txBody>
+          <a:bodyPr wrap="square" rtlCol="0">
+            <a:spAutoFit/>
+          </a:bodyPr>
+          <a:lstStyle/>
+          <a:p>
+            <a:pPr marL="342900" indent="-342900">
+              <a:buFont typeface="Wingdings" panose="05000000000000000000" pitchFamily="2" charset="2"/>
+              <a:buChar char="v"/>
+            </a:pPr>
+            <a:r>
+              <a:rPr lang="en-US" sz="3200" b="1"/>
+              <a:t>Simple example: AND</a:t>
+            </a:r>
+          </a:p>
+        </p:txBody>
+      </p:sp>
+      <mc:AlternateContent xmlns:mc="http://schemas.openxmlformats.org/markup-compatibility/2006" xmlns:a14="http://schemas.microsoft.com/office/drawing/2010/main">
+        <mc:Choice Requires="a14">
+          <p:sp>
+            <p:nvSpPr>
+              <p:cNvPr id="5" name="TextBox 4"/>
+              <p:cNvSpPr txBox="1"/>
+              <p:nvPr/>
+            </p:nvSpPr>
+            <p:spPr>
+              <a:xfrm>
+                <a:off x="956603" y="1252024"/>
+                <a:ext cx="7835705" cy="461665"/>
+              </a:xfrm>
+              <a:prstGeom prst="rect">
+                <a:avLst/>
+              </a:prstGeom>
+              <a:noFill/>
+            </p:spPr>
+            <p:txBody>
+              <a:bodyPr wrap="square" rtlCol="0">
+                <a:spAutoFit/>
+              </a:bodyPr>
+              <a:lstStyle/>
+              <a:p>
+                <a14:m>
+                  <m:oMath xmlns:m="http://schemas.openxmlformats.org/officeDocument/2006/math">
+                    <m:sSub>
+                      <m:sSubPr>
+                        <m:ctrlPr>
+                          <a:rPr lang="en-US" sz="2400" i="1" smtClean="0">
+                            <a:latin typeface="Cambria Math" panose="02040503050406030204" pitchFamily="18" charset="0"/>
+                          </a:rPr>
+                        </m:ctrlPr>
+                      </m:sSubPr>
+                      <m:e>
+                        <m:r>
+                          <a:rPr lang="en-US" sz="2400" b="0" i="1" smtClean="0">
+                            <a:latin typeface="Cambria Math" panose="02040503050406030204" pitchFamily="18" charset="0"/>
+                          </a:rPr>
+                          <m:t>𝑥</m:t>
+                        </m:r>
+                      </m:e>
+                      <m:sub>
+                        <m:r>
+                          <a:rPr lang="en-US" sz="2400" b="0" i="1" smtClean="0">
+                            <a:latin typeface="Cambria Math" panose="02040503050406030204" pitchFamily="18" charset="0"/>
+                          </a:rPr>
+                          <m:t>1</m:t>
+                        </m:r>
+                      </m:sub>
+                    </m:sSub>
+                    <m:r>
+                      <a:rPr lang="en-US" sz="2400" b="0" i="1" smtClean="0">
+                        <a:latin typeface="Cambria Math" panose="02040503050406030204" pitchFamily="18" charset="0"/>
+                      </a:rPr>
+                      <m:t>, </m:t>
+                    </m:r>
+                    <m:sSub>
+                      <m:sSubPr>
+                        <m:ctrlPr>
+                          <a:rPr lang="en-US" sz="2400" b="0" i="1" smtClean="0">
+                            <a:latin typeface="Cambria Math" panose="02040503050406030204" pitchFamily="18" charset="0"/>
+                          </a:rPr>
+                        </m:ctrlPr>
+                      </m:sSubPr>
+                      <m:e>
+                        <m:r>
+                          <a:rPr lang="en-US" sz="2400" b="0" i="1" smtClean="0">
+                            <a:latin typeface="Cambria Math" panose="02040503050406030204" pitchFamily="18" charset="0"/>
+                          </a:rPr>
+                          <m:t>𝑥</m:t>
+                        </m:r>
+                      </m:e>
+                      <m:sub>
+                        <m:r>
+                          <a:rPr lang="en-US" sz="2400" b="0" i="1" smtClean="0">
+                            <a:latin typeface="Cambria Math" panose="02040503050406030204" pitchFamily="18" charset="0"/>
+                          </a:rPr>
+                          <m:t>2</m:t>
+                        </m:r>
+                      </m:sub>
+                    </m:sSub>
+                  </m:oMath>
+                </a14:m>
+                <a:r>
+                  <a:rPr lang="en-US" sz="2400"/>
+                  <a:t> Є (0 or 1)</a:t>
+                </a:r>
+              </a:p>
+            </p:txBody>
+          </p:sp>
+        </mc:Choice>
+        <mc:Fallback xmlns="">
+          <p:sp>
+            <p:nvSpPr>
+              <p:cNvPr id="5" name="TextBox 4"/>
+              <p:cNvSpPr txBox="1">
+                <a:spLocks noRot="1" noChangeAspect="1" noMove="1" noResize="1" noEditPoints="1" noAdjustHandles="1" noChangeArrowheads="1" noChangeShapeType="1" noTextEdit="1"/>
+              </p:cNvSpPr>
+              <p:nvPr/>
+            </p:nvSpPr>
+            <p:spPr>
+              <a:xfrm>
+                <a:off x="956603" y="1252024"/>
+                <a:ext cx="7835705" cy="461665"/>
+              </a:xfrm>
+              <a:prstGeom prst="rect">
+                <a:avLst/>
+              </a:prstGeom>
+              <a:blipFill>
+                <a:blip r:embed="rId3"/>
+                <a:stretch>
+                  <a:fillRect t="-10526" b="-28947"/>
+                </a:stretch>
+              </a:blipFill>
+            </p:spPr>
+            <p:txBody>
+              <a:bodyPr/>
+              <a:lstStyle/>
+              <a:p>
+                <a:r>
+                  <a:rPr lang="en-US">
+                    <a:noFill/>
+                  </a:rPr>
+                  <a:t> </a:t>
+                </a:r>
+              </a:p>
+            </p:txBody>
+          </p:sp>
+        </mc:Fallback>
+      </mc:AlternateContent>
+      <mc:AlternateContent xmlns:mc="http://schemas.openxmlformats.org/markup-compatibility/2006" xmlns:a14="http://schemas.microsoft.com/office/drawing/2010/main">
+        <mc:Choice Requires="a14">
+          <p:sp>
+            <p:nvSpPr>
+              <p:cNvPr id="6" name="TextBox 5"/>
+              <p:cNvSpPr txBox="1"/>
+              <p:nvPr/>
+            </p:nvSpPr>
+            <p:spPr>
+              <a:xfrm>
+                <a:off x="956603" y="1916704"/>
+                <a:ext cx="7835705" cy="461665"/>
+              </a:xfrm>
+              <a:prstGeom prst="rect">
+                <a:avLst/>
+              </a:prstGeom>
+              <a:noFill/>
+            </p:spPr>
+            <p:txBody>
+              <a:bodyPr wrap="square" rtlCol="0">
+                <a:spAutoFit/>
+              </a:bodyPr>
+              <a:lstStyle/>
+              <a:p>
+                <a:r>
+                  <a:rPr lang="en-US" sz="2400"/>
+                  <a:t>y =  </a:t>
+                </a:r>
+                <a14:m>
+                  <m:oMath xmlns:m="http://schemas.openxmlformats.org/officeDocument/2006/math">
+                    <m:sSub>
+                      <m:sSubPr>
+                        <m:ctrlPr>
+                          <a:rPr lang="en-US" sz="2400" i="1" smtClean="0">
+                            <a:latin typeface="Cambria Math" panose="02040503050406030204" pitchFamily="18" charset="0"/>
+                          </a:rPr>
+                        </m:ctrlPr>
+                      </m:sSubPr>
+                      <m:e>
+                        <m:r>
+                          <a:rPr lang="en-US" sz="2400" b="0" i="1" smtClean="0">
+                            <a:latin typeface="Cambria Math" panose="02040503050406030204" pitchFamily="18" charset="0"/>
+                          </a:rPr>
+                          <m:t>𝑥</m:t>
+                        </m:r>
+                      </m:e>
+                      <m:sub>
+                        <m:r>
+                          <a:rPr lang="en-US" sz="2400" b="0" i="1" smtClean="0">
+                            <a:latin typeface="Cambria Math" panose="02040503050406030204" pitchFamily="18" charset="0"/>
+                          </a:rPr>
+                          <m:t>1</m:t>
+                        </m:r>
+                      </m:sub>
+                    </m:sSub>
+                    <m:r>
+                      <a:rPr lang="en-US" sz="2400" b="0" i="1" smtClean="0">
+                        <a:latin typeface="Cambria Math" panose="02040503050406030204" pitchFamily="18" charset="0"/>
+                      </a:rPr>
+                      <m:t> </m:t>
+                    </m:r>
+                    <m:r>
+                      <a:rPr lang="en-US" sz="2400" b="0" i="1" smtClean="0">
+                        <a:latin typeface="Cambria Math" panose="02040503050406030204" pitchFamily="18" charset="0"/>
+                      </a:rPr>
+                      <m:t>𝐴𝑁𝐷</m:t>
+                    </m:r>
+                    <m:r>
+                      <a:rPr lang="en-US" sz="2400" b="0" i="1" smtClean="0">
+                        <a:latin typeface="Cambria Math" panose="02040503050406030204" pitchFamily="18" charset="0"/>
+                      </a:rPr>
+                      <m:t> </m:t>
+                    </m:r>
+                    <m:sSub>
+                      <m:sSubPr>
+                        <m:ctrlPr>
+                          <a:rPr lang="en-US" sz="2400" b="0" i="1" smtClean="0">
+                            <a:latin typeface="Cambria Math" panose="02040503050406030204" pitchFamily="18" charset="0"/>
+                          </a:rPr>
+                        </m:ctrlPr>
+                      </m:sSubPr>
+                      <m:e>
+                        <m:r>
+                          <a:rPr lang="en-US" sz="2400" b="0" i="1" smtClean="0">
+                            <a:latin typeface="Cambria Math" panose="02040503050406030204" pitchFamily="18" charset="0"/>
+                          </a:rPr>
+                          <m:t>𝑥</m:t>
+                        </m:r>
+                      </m:e>
+                      <m:sub>
+                        <m:r>
+                          <a:rPr lang="en-US" sz="2400" b="0" i="1" smtClean="0">
+                            <a:latin typeface="Cambria Math" panose="02040503050406030204" pitchFamily="18" charset="0"/>
+                          </a:rPr>
+                          <m:t>2</m:t>
+                        </m:r>
+                      </m:sub>
+                    </m:sSub>
+                  </m:oMath>
+                </a14:m>
+                <a:endParaRPr lang="en-US" sz="2400"/>
+              </a:p>
+            </p:txBody>
+          </p:sp>
+        </mc:Choice>
+        <mc:Fallback xmlns="">
+          <p:sp>
+            <p:nvSpPr>
+              <p:cNvPr id="6" name="TextBox 5"/>
+              <p:cNvSpPr txBox="1">
+                <a:spLocks noRot="1" noChangeAspect="1" noMove="1" noResize="1" noEditPoints="1" noAdjustHandles="1" noChangeArrowheads="1" noChangeShapeType="1" noTextEdit="1"/>
+              </p:cNvSpPr>
+              <p:nvPr/>
+            </p:nvSpPr>
+            <p:spPr>
+              <a:xfrm>
+                <a:off x="956603" y="1916704"/>
+                <a:ext cx="7835705" cy="461665"/>
+              </a:xfrm>
+              <a:prstGeom prst="rect">
+                <a:avLst/>
+              </a:prstGeom>
+              <a:blipFill>
+                <a:blip r:embed="rId4"/>
+                <a:stretch>
+                  <a:fillRect l="-1245" t="-10526" b="-28947"/>
+                </a:stretch>
+              </a:blipFill>
+            </p:spPr>
+            <p:txBody>
+              <a:bodyPr/>
+              <a:lstStyle/>
+              <a:p>
+                <a:r>
+                  <a:rPr lang="en-US">
+                    <a:noFill/>
+                  </a:rPr>
+                  <a:t> </a:t>
+                </a:r>
+              </a:p>
+            </p:txBody>
+          </p:sp>
+        </mc:Fallback>
+      </mc:AlternateContent>
+      <p:pic>
+        <p:nvPicPr>
+          <p:cNvPr id="7" name="Picture 6"/>
+          <p:cNvPicPr>
+            <a:picLocks noChangeAspect="1"/>
+          </p:cNvPicPr>
+          <p:nvPr/>
+        </p:nvPicPr>
+        <p:blipFill>
+          <a:blip r:embed="rId5"/>
+          <a:stretch>
+            <a:fillRect/>
+          </a:stretch>
+        </p:blipFill>
+        <p:spPr>
+          <a:xfrm>
+            <a:off x="6035040" y="464234"/>
+            <a:ext cx="4857750" cy="2247900"/>
+          </a:xfrm>
+          <a:prstGeom prst="rect">
+            <a:avLst/>
+          </a:prstGeom>
+        </p:spPr>
+      </p:pic>
+      <p:pic>
+        <p:nvPicPr>
+          <p:cNvPr id="8" name="Picture 7"/>
+          <p:cNvPicPr>
+            <a:picLocks noChangeAspect="1"/>
+          </p:cNvPicPr>
+          <p:nvPr/>
+        </p:nvPicPr>
+        <p:blipFill>
+          <a:blip r:embed="rId6"/>
+          <a:stretch>
+            <a:fillRect/>
+          </a:stretch>
+        </p:blipFill>
+        <p:spPr>
+          <a:xfrm>
+            <a:off x="956603" y="2872593"/>
+            <a:ext cx="4191000" cy="3448050"/>
+          </a:xfrm>
+          <a:prstGeom prst="rect">
+            <a:avLst/>
+          </a:prstGeom>
+        </p:spPr>
+      </p:pic>
+      <p:pic>
+        <p:nvPicPr>
+          <p:cNvPr id="9" name="Picture 8"/>
+          <p:cNvPicPr>
+            <a:picLocks noChangeAspect="1"/>
+          </p:cNvPicPr>
+          <p:nvPr/>
+        </p:nvPicPr>
+        <p:blipFill>
+          <a:blip r:embed="rId7"/>
+          <a:stretch>
+            <a:fillRect/>
+          </a:stretch>
+        </p:blipFill>
+        <p:spPr>
+          <a:xfrm>
+            <a:off x="6035040" y="3372655"/>
+            <a:ext cx="4743450" cy="2447925"/>
+          </a:xfrm>
+          <a:prstGeom prst="rect">
+            <a:avLst/>
+          </a:prstGeom>
+        </p:spPr>
+      </p:pic>
+    </p:spTree>
+    <p:extLst>
+      <p:ext uri="{BB962C8B-B14F-4D97-AF65-F5344CB8AC3E}">
+        <p14:creationId xmlns:p14="http://schemas.microsoft.com/office/powerpoint/2010/main" val="1702138901"/>
+      </p:ext>
+    </p:extLst>
+  </p:cSld>
+  <p:clrMapOvr>
+    <a:masterClrMapping/>
+  </p:clrMapOvr>
+</p:sld>
+</file>
+
+<file path=ppt/slides/slide17.xml><?xml version="1.0" encoding="utf-8"?>
+<p:sld xmlns:a="http://schemas.openxmlformats.org/drawingml/2006/main" xmlns:r="http://schemas.openxmlformats.org/officeDocument/2006/relationships" xmlns:p="http://schemas.openxmlformats.org/presentationml/2006/main">
+  <p:cSld>
+    <p:spTree>
+      <p:nvGrpSpPr>
+        <p:cNvPr id="1" name=""/>
+        <p:cNvGrpSpPr/>
+        <p:nvPr/>
+      </p:nvGrpSpPr>
+      <p:grpSpPr>
+        <a:xfrm>
+          <a:off x="0" y="0"/>
+          <a:ext cx="0" cy="0"/>
+          <a:chOff x="0" y="0"/>
+          <a:chExt cx="0" cy="0"/>
+        </a:xfrm>
+      </p:grpSpPr>
+      <p:sp>
+        <p:nvSpPr>
+          <p:cNvPr id="4" name="TextBox 3"/>
+          <p:cNvSpPr txBox="1"/>
+          <p:nvPr/>
+        </p:nvSpPr>
+        <p:spPr>
+          <a:xfrm>
+            <a:off x="956603" y="464234"/>
+            <a:ext cx="10156874" cy="584775"/>
+          </a:xfrm>
+          <a:prstGeom prst="rect">
+            <a:avLst/>
+          </a:prstGeom>
+          <a:noFill/>
+        </p:spPr>
+        <p:txBody>
+          <a:bodyPr wrap="square" rtlCol="0">
+            <a:spAutoFit/>
+          </a:bodyPr>
+          <a:lstStyle/>
+          <a:p>
+            <a:pPr marL="342900" indent="-342900">
+              <a:buFont typeface="Wingdings" panose="05000000000000000000" pitchFamily="2" charset="2"/>
+              <a:buChar char="v"/>
+            </a:pPr>
+            <a:r>
+              <a:rPr lang="en-US" sz="3200" b="1"/>
+              <a:t>Example: OR</a:t>
+            </a:r>
+          </a:p>
+        </p:txBody>
+      </p:sp>
+      <p:pic>
+        <p:nvPicPr>
+          <p:cNvPr id="5" name="Picture 4"/>
+          <p:cNvPicPr>
+            <a:picLocks noChangeAspect="1"/>
+          </p:cNvPicPr>
+          <p:nvPr/>
+        </p:nvPicPr>
+        <p:blipFill>
+          <a:blip r:embed="rId2"/>
+          <a:stretch>
+            <a:fillRect/>
+          </a:stretch>
+        </p:blipFill>
+        <p:spPr>
+          <a:xfrm>
+            <a:off x="1267704" y="1389478"/>
+            <a:ext cx="4057650" cy="3286125"/>
+          </a:xfrm>
+          <a:prstGeom prst="rect">
+            <a:avLst/>
+          </a:prstGeom>
+        </p:spPr>
+      </p:pic>
+      <p:pic>
+        <p:nvPicPr>
+          <p:cNvPr id="6" name="Picture 5"/>
+          <p:cNvPicPr>
+            <a:picLocks noChangeAspect="1"/>
+          </p:cNvPicPr>
+          <p:nvPr/>
+        </p:nvPicPr>
+        <p:blipFill>
+          <a:blip r:embed="rId3"/>
+          <a:stretch>
+            <a:fillRect/>
+          </a:stretch>
+        </p:blipFill>
+        <p:spPr>
+          <a:xfrm>
+            <a:off x="6658561" y="1389478"/>
+            <a:ext cx="4581525" cy="3009900"/>
+          </a:xfrm>
+          <a:prstGeom prst="rect">
+            <a:avLst/>
+          </a:prstGeom>
+        </p:spPr>
+      </p:pic>
+    </p:spTree>
+    <p:extLst>
+      <p:ext uri="{BB962C8B-B14F-4D97-AF65-F5344CB8AC3E}">
+        <p14:creationId xmlns:p14="http://schemas.microsoft.com/office/powerpoint/2010/main" val="2993876810"/>
+      </p:ext>
+    </p:extLst>
+  </p:cSld>
+  <p:clrMapOvr>
+    <a:masterClrMapping/>
+  </p:clrMapOvr>
+</p:sld>
+</file>
+
+<file path=ppt/slides/slide18.xml><?xml version="1.0" encoding="utf-8"?>
+<p:sld xmlns:a="http://schemas.openxmlformats.org/drawingml/2006/main" xmlns:r="http://schemas.openxmlformats.org/officeDocument/2006/relationships" xmlns:p="http://schemas.openxmlformats.org/presentationml/2006/main">
+  <p:cSld>
+    <p:spTree>
+      <p:nvGrpSpPr>
+        <p:cNvPr id="1" name=""/>
+        <p:cNvGrpSpPr/>
+        <p:nvPr/>
+      </p:nvGrpSpPr>
+      <p:grpSpPr>
+        <a:xfrm>
+          <a:off x="0" y="0"/>
+          <a:ext cx="0" cy="0"/>
+          <a:chOff x="0" y="0"/>
+          <a:chExt cx="0" cy="0"/>
+        </a:xfrm>
+      </p:grpSpPr>
+      <p:sp>
+        <p:nvSpPr>
+          <p:cNvPr id="4" name="TextBox 3"/>
+          <p:cNvSpPr txBox="1"/>
+          <p:nvPr/>
+        </p:nvSpPr>
+        <p:spPr>
+          <a:xfrm>
+            <a:off x="745588" y="365760"/>
+            <a:ext cx="10156874" cy="584775"/>
+          </a:xfrm>
+          <a:prstGeom prst="rect">
+            <a:avLst/>
+          </a:prstGeom>
+          <a:noFill/>
+        </p:spPr>
+        <p:txBody>
+          <a:bodyPr wrap="square" rtlCol="0">
+            <a:spAutoFit/>
+          </a:bodyPr>
+          <a:lstStyle/>
+          <a:p>
+            <a:pPr marL="342900" indent="-342900">
+              <a:buFont typeface="Wingdings" panose="05000000000000000000" pitchFamily="2" charset="2"/>
+              <a:buChar char="v"/>
+            </a:pPr>
+            <a:r>
+              <a:rPr lang="en-US" sz="3200" b="1"/>
+              <a:t>Negation</a:t>
+            </a:r>
+          </a:p>
+        </p:txBody>
+      </p:sp>
+      <mc:AlternateContent xmlns:mc="http://schemas.openxmlformats.org/markup-compatibility/2006" xmlns:a14="http://schemas.microsoft.com/office/drawing/2010/main">
+        <mc:Choice Requires="a14">
+          <p:sp>
+            <p:nvSpPr>
+              <p:cNvPr id="5" name="TextBox 4"/>
+              <p:cNvSpPr txBox="1"/>
+              <p:nvPr/>
+            </p:nvSpPr>
+            <p:spPr>
+              <a:xfrm>
+                <a:off x="745588" y="1128914"/>
+                <a:ext cx="7835705" cy="461665"/>
+              </a:xfrm>
+              <a:prstGeom prst="rect">
+                <a:avLst/>
+              </a:prstGeom>
+              <a:noFill/>
+            </p:spPr>
+            <p:txBody>
+              <a:bodyPr wrap="square" rtlCol="0">
+                <a:spAutoFit/>
+              </a:bodyPr>
+              <a:lstStyle/>
+              <a:p>
+                <a:r>
+                  <a:rPr lang="en-US" sz="2400" b="0"/>
+                  <a:t>NOT </a:t>
+                </a:r>
+                <a14:m>
+                  <m:oMath xmlns:m="http://schemas.openxmlformats.org/officeDocument/2006/math">
+                    <m:sSub>
+                      <m:sSubPr>
+                        <m:ctrlPr>
+                          <a:rPr lang="en-US" sz="2400" b="0" i="1" smtClean="0">
+                            <a:latin typeface="Cambria Math" panose="02040503050406030204" pitchFamily="18" charset="0"/>
+                          </a:rPr>
+                        </m:ctrlPr>
+                      </m:sSubPr>
+                      <m:e>
+                        <m:r>
+                          <a:rPr lang="en-US" sz="2400" b="0" i="1" smtClean="0">
+                            <a:latin typeface="Cambria Math" panose="02040503050406030204" pitchFamily="18" charset="0"/>
+                          </a:rPr>
+                          <m:t>𝑥</m:t>
+                        </m:r>
+                      </m:e>
+                      <m:sub>
+                        <m:r>
+                          <a:rPr lang="en-US" sz="2400" b="0" i="1" smtClean="0">
+                            <a:latin typeface="Cambria Math" panose="02040503050406030204" pitchFamily="18" charset="0"/>
+                          </a:rPr>
+                          <m:t>1</m:t>
+                        </m:r>
+                      </m:sub>
+                    </m:sSub>
+                  </m:oMath>
+                </a14:m>
+                <a:endParaRPr lang="en-US" sz="2400"/>
+              </a:p>
+            </p:txBody>
+          </p:sp>
+        </mc:Choice>
+        <mc:Fallback xmlns="">
+          <p:sp>
+            <p:nvSpPr>
+              <p:cNvPr id="5" name="TextBox 4"/>
+              <p:cNvSpPr txBox="1">
+                <a:spLocks noRot="1" noChangeAspect="1" noMove="1" noResize="1" noEditPoints="1" noAdjustHandles="1" noChangeArrowheads="1" noChangeShapeType="1" noTextEdit="1"/>
+              </p:cNvSpPr>
+              <p:nvPr/>
+            </p:nvSpPr>
+            <p:spPr>
+              <a:xfrm>
+                <a:off x="745588" y="1128914"/>
+                <a:ext cx="7835705" cy="461665"/>
+              </a:xfrm>
+              <a:prstGeom prst="rect">
+                <a:avLst/>
+              </a:prstGeom>
+              <a:blipFill>
+                <a:blip r:embed="rId3"/>
+                <a:stretch>
+                  <a:fillRect l="-1166" t="-10526" b="-28947"/>
+                </a:stretch>
+              </a:blipFill>
+            </p:spPr>
+            <p:txBody>
+              <a:bodyPr/>
+              <a:lstStyle/>
+              <a:p>
+                <a:r>
+                  <a:rPr lang="en-US">
+                    <a:noFill/>
+                  </a:rPr>
+                  <a:t> </a:t>
+                </a:r>
+              </a:p>
+            </p:txBody>
+          </p:sp>
+        </mc:Fallback>
+      </mc:AlternateContent>
+      <p:pic>
+        <p:nvPicPr>
+          <p:cNvPr id="6" name="Picture 5"/>
+          <p:cNvPicPr>
+            <a:picLocks noChangeAspect="1"/>
+          </p:cNvPicPr>
+          <p:nvPr/>
+        </p:nvPicPr>
+        <p:blipFill>
+          <a:blip r:embed="rId4"/>
+          <a:stretch>
+            <a:fillRect/>
+          </a:stretch>
+        </p:blipFill>
+        <p:spPr>
+          <a:xfrm>
+            <a:off x="1129665" y="1947862"/>
+            <a:ext cx="4230126" cy="3373254"/>
+          </a:xfrm>
+          <a:prstGeom prst="rect">
+            <a:avLst/>
+          </a:prstGeom>
+        </p:spPr>
+      </p:pic>
+      <p:pic>
+        <p:nvPicPr>
+          <p:cNvPr id="7" name="Picture 6"/>
+          <p:cNvPicPr>
+            <a:picLocks noChangeAspect="1"/>
+          </p:cNvPicPr>
+          <p:nvPr/>
+        </p:nvPicPr>
+        <p:blipFill>
+          <a:blip r:embed="rId5"/>
+          <a:stretch>
+            <a:fillRect/>
+          </a:stretch>
+        </p:blipFill>
+        <p:spPr>
+          <a:xfrm>
+            <a:off x="6692412" y="1947862"/>
+            <a:ext cx="4210050" cy="3276600"/>
+          </a:xfrm>
+          <a:prstGeom prst="rect">
+            <a:avLst/>
+          </a:prstGeom>
+        </p:spPr>
+      </p:pic>
+    </p:spTree>
+    <p:extLst>
+      <p:ext uri="{BB962C8B-B14F-4D97-AF65-F5344CB8AC3E}">
+        <p14:creationId xmlns:p14="http://schemas.microsoft.com/office/powerpoint/2010/main" val="492460686"/>
+      </p:ext>
+    </p:extLst>
+  </p:cSld>
+  <p:clrMapOvr>
+    <a:masterClrMapping/>
+  </p:clrMapOvr>
+</p:sld>
+</file>
+
+<file path=ppt/slides/slide19.xml><?xml version="1.0" encoding="utf-8"?>
+<p:sld xmlns:a="http://schemas.openxmlformats.org/drawingml/2006/main" xmlns:r="http://schemas.openxmlformats.org/officeDocument/2006/relationships" xmlns:p="http://schemas.openxmlformats.org/presentationml/2006/main">
+  <p:cSld>
+    <p:spTree>
+      <p:nvGrpSpPr>
+        <p:cNvPr id="1" name=""/>
+        <p:cNvGrpSpPr/>
+        <p:nvPr/>
+      </p:nvGrpSpPr>
+      <p:grpSpPr>
+        <a:xfrm>
+          <a:off x="0" y="0"/>
+          <a:ext cx="0" cy="0"/>
+          <a:chOff x="0" y="0"/>
+          <a:chExt cx="0" cy="0"/>
+        </a:xfrm>
+      </p:grpSpPr>
+      <mc:AlternateContent xmlns:mc="http://schemas.openxmlformats.org/markup-compatibility/2006" xmlns:a14="http://schemas.microsoft.com/office/drawing/2010/main">
+        <mc:Choice Requires="a14">
+          <p:sp>
+            <p:nvSpPr>
+              <p:cNvPr id="6" name="TextBox 5"/>
+              <p:cNvSpPr txBox="1"/>
+              <p:nvPr/>
+            </p:nvSpPr>
+            <p:spPr>
+              <a:xfrm>
+                <a:off x="-2208628" y="819424"/>
+                <a:ext cx="7835705" cy="461665"/>
+              </a:xfrm>
+              <a:prstGeom prst="rect">
+                <a:avLst/>
+              </a:prstGeom>
+              <a:noFill/>
+            </p:spPr>
+            <p:txBody>
+              <a:bodyPr wrap="square" rtlCol="0">
+                <a:spAutoFit/>
+              </a:bodyPr>
+              <a:lstStyle/>
+              <a:p>
+                <a:pPr/>
+                <a14:m>
+                  <m:oMathPara xmlns:m="http://schemas.openxmlformats.org/officeDocument/2006/math">
+                    <m:oMathParaPr>
+                      <m:jc m:val="centerGroup"/>
+                    </m:oMathParaPr>
+                    <m:oMath xmlns:m="http://schemas.openxmlformats.org/officeDocument/2006/math">
+                      <m:sSub>
+                        <m:sSubPr>
+                          <m:ctrlPr>
+                            <a:rPr lang="en-US" sz="2400" i="1" smtClean="0">
+                              <a:latin typeface="Cambria Math" panose="02040503050406030204" pitchFamily="18" charset="0"/>
+                            </a:rPr>
+                          </m:ctrlPr>
+                        </m:sSubPr>
+                        <m:e>
+                          <m:r>
+                            <a:rPr lang="en-US" sz="2400" b="0" i="1" smtClean="0">
+                              <a:latin typeface="Cambria Math" panose="02040503050406030204" pitchFamily="18" charset="0"/>
+                            </a:rPr>
+                            <m:t>𝑥</m:t>
+                          </m:r>
+                        </m:e>
+                        <m:sub>
+                          <m:r>
+                            <a:rPr lang="en-US" sz="2400" b="0" i="1" smtClean="0">
+                              <a:latin typeface="Cambria Math" panose="02040503050406030204" pitchFamily="18" charset="0"/>
+                            </a:rPr>
+                            <m:t>1</m:t>
+                          </m:r>
+                        </m:sub>
+                      </m:sSub>
+                      <m:r>
+                        <a:rPr lang="en-US" sz="2400" b="0" i="1" smtClean="0">
+                          <a:latin typeface="Cambria Math" panose="02040503050406030204" pitchFamily="18" charset="0"/>
+                        </a:rPr>
+                        <m:t> </m:t>
+                      </m:r>
+                      <m:r>
+                        <a:rPr lang="en-US" sz="2400" b="0" i="1" smtClean="0">
+                          <a:latin typeface="Cambria Math" panose="02040503050406030204" pitchFamily="18" charset="0"/>
+                        </a:rPr>
+                        <m:t>𝑋𝑁𝑂𝑅</m:t>
+                      </m:r>
+                      <m:r>
+                        <a:rPr lang="en-US" sz="2400" b="0" i="1" smtClean="0">
+                          <a:latin typeface="Cambria Math" panose="02040503050406030204" pitchFamily="18" charset="0"/>
+                        </a:rPr>
+                        <m:t> </m:t>
+                      </m:r>
+                      <m:sSub>
+                        <m:sSubPr>
+                          <m:ctrlPr>
+                            <a:rPr lang="en-US" sz="2400" b="0" i="1" smtClean="0">
+                              <a:latin typeface="Cambria Math" panose="02040503050406030204" pitchFamily="18" charset="0"/>
+                            </a:rPr>
+                          </m:ctrlPr>
+                        </m:sSubPr>
+                        <m:e>
+                          <m:r>
+                            <a:rPr lang="en-US" sz="2400" b="0" i="1" smtClean="0">
+                              <a:latin typeface="Cambria Math" panose="02040503050406030204" pitchFamily="18" charset="0"/>
+                            </a:rPr>
+                            <m:t>𝑥</m:t>
+                          </m:r>
+                        </m:e>
+                        <m:sub>
+                          <m:r>
+                            <a:rPr lang="en-US" sz="2400" b="0" i="1" smtClean="0">
+                              <a:latin typeface="Cambria Math" panose="02040503050406030204" pitchFamily="18" charset="0"/>
+                            </a:rPr>
+                            <m:t>2</m:t>
+                          </m:r>
+                        </m:sub>
+                      </m:sSub>
+                    </m:oMath>
+                  </m:oMathPara>
+                </a14:m>
+                <a:endParaRPr lang="en-US" sz="2400"/>
+              </a:p>
+            </p:txBody>
+          </p:sp>
+        </mc:Choice>
+        <mc:Fallback xmlns="">
+          <p:sp>
+            <p:nvSpPr>
+              <p:cNvPr id="6" name="TextBox 5"/>
+              <p:cNvSpPr txBox="1">
+                <a:spLocks noRot="1" noChangeAspect="1" noMove="1" noResize="1" noEditPoints="1" noAdjustHandles="1" noChangeArrowheads="1" noChangeShapeType="1" noTextEdit="1"/>
+              </p:cNvSpPr>
+              <p:nvPr/>
+            </p:nvSpPr>
+            <p:spPr>
+              <a:xfrm>
+                <a:off x="-2208628" y="819424"/>
+                <a:ext cx="7835705" cy="461665"/>
+              </a:xfrm>
+              <a:prstGeom prst="rect">
+                <a:avLst/>
+              </a:prstGeom>
+              <a:blipFill>
+                <a:blip r:embed="rId3"/>
+                <a:stretch>
+                  <a:fillRect b="-1316"/>
+                </a:stretch>
+              </a:blipFill>
+            </p:spPr>
+            <p:txBody>
+              <a:bodyPr/>
+              <a:lstStyle/>
+              <a:p>
+                <a:r>
+                  <a:rPr lang="en-US">
+                    <a:noFill/>
+                  </a:rPr>
+                  <a:t> </a:t>
+                </a:r>
+              </a:p>
+            </p:txBody>
+          </p:sp>
+        </mc:Fallback>
+      </mc:AlternateContent>
+      <p:sp>
+        <p:nvSpPr>
+          <p:cNvPr id="7" name="TextBox 6"/>
+          <p:cNvSpPr txBox="1"/>
+          <p:nvPr/>
+        </p:nvSpPr>
+        <p:spPr>
+          <a:xfrm>
+            <a:off x="745588" y="365760"/>
+            <a:ext cx="10156874" cy="584775"/>
+          </a:xfrm>
+          <a:prstGeom prst="rect">
+            <a:avLst/>
+          </a:prstGeom>
+          <a:noFill/>
+        </p:spPr>
+        <p:txBody>
+          <a:bodyPr wrap="square" rtlCol="0">
+            <a:spAutoFit/>
+          </a:bodyPr>
+          <a:lstStyle/>
+          <a:p>
+            <a:pPr marL="342900" indent="-342900">
+              <a:buFont typeface="Wingdings" panose="05000000000000000000" pitchFamily="2" charset="2"/>
+              <a:buChar char="v"/>
+            </a:pPr>
+            <a:r>
+              <a:rPr lang="en-US" sz="3200" b="1"/>
+              <a:t>Putting it together</a:t>
+            </a:r>
+          </a:p>
+        </p:txBody>
+      </p:sp>
+      <p:pic>
+        <p:nvPicPr>
+          <p:cNvPr id="9" name="Picture 8"/>
+          <p:cNvPicPr>
+            <a:picLocks noChangeAspect="1"/>
+          </p:cNvPicPr>
+          <p:nvPr/>
+        </p:nvPicPr>
+        <p:blipFill rotWithShape="1">
+          <a:blip r:embed="rId4"/>
+          <a:srcRect t="3514"/>
+          <a:stretch/>
+        </p:blipFill>
+        <p:spPr>
+          <a:xfrm>
+            <a:off x="836446" y="1404199"/>
+            <a:ext cx="10066016" cy="4658976"/>
+          </a:xfrm>
+          <a:prstGeom prst="rect">
+            <a:avLst/>
+          </a:prstGeom>
+        </p:spPr>
+      </p:pic>
+    </p:spTree>
+    <p:extLst>
+      <p:ext uri="{BB962C8B-B14F-4D97-AF65-F5344CB8AC3E}">
+        <p14:creationId xmlns:p14="http://schemas.microsoft.com/office/powerpoint/2010/main" val="2520036626"/>
+      </p:ext>
+    </p:extLst>
+  </p:cSld>
+  <p:clrMapOvr>
+    <a:masterClrMapping/>
+  </p:clrMapOvr>
+</p:sld>
+</file>
+
 <file path=ppt/slides/slide2.xml><?xml version="1.0" encoding="utf-8"?>
 <p:sld xmlns:a="http://schemas.openxmlformats.org/drawingml/2006/main" xmlns:r="http://schemas.openxmlformats.org/officeDocument/2006/relationships" xmlns:p="http://schemas.openxmlformats.org/presentationml/2006/main">
   <p:cSld>
@@ -3449,8 +5224,8 @@
           </a:p>
         </p:txBody>
       </p:sp>
-      <mc:AlternateContent xmlns:mc="http://schemas.openxmlformats.org/markup-compatibility/2006">
-        <mc:Choice xmlns:a14="http://schemas.microsoft.com/office/drawing/2010/main" Requires="a14">
+      <mc:AlternateContent xmlns:mc="http://schemas.openxmlformats.org/markup-compatibility/2006" xmlns:a14="http://schemas.microsoft.com/office/drawing/2010/main">
+        <mc:Choice Requires="a14">
           <p:sp>
             <p:nvSpPr>
               <p:cNvPr id="3" name="Chỗ dành sẵn cho Nội dung 2">
@@ -3650,7 +5425,7 @@
             </p:txBody>
           </p:sp>
         </mc:Choice>
-        <mc:Fallback>
+        <mc:Fallback xmlns="">
           <p:sp>
             <p:nvSpPr>
               <p:cNvPr id="3" name="Chỗ dành sẵn cho Nội dung 2">
@@ -3776,6 +5551,287 @@
 </p:sld>
 </file>
 
+<file path=ppt/slides/slide20.xml><?xml version="1.0" encoding="utf-8"?>
+<p:sld xmlns:a="http://schemas.openxmlformats.org/drawingml/2006/main" xmlns:r="http://schemas.openxmlformats.org/officeDocument/2006/relationships" xmlns:p="http://schemas.openxmlformats.org/presentationml/2006/main">
+  <p:cSld>
+    <p:spTree>
+      <p:nvGrpSpPr>
+        <p:cNvPr id="1" name=""/>
+        <p:cNvGrpSpPr/>
+        <p:nvPr/>
+      </p:nvGrpSpPr>
+      <p:grpSpPr>
+        <a:xfrm>
+          <a:off x="0" y="0"/>
+          <a:ext cx="0" cy="0"/>
+          <a:chOff x="0" y="0"/>
+          <a:chExt cx="0" cy="0"/>
+        </a:xfrm>
+      </p:grpSpPr>
+      <p:sp>
+        <p:nvSpPr>
+          <p:cNvPr id="4" name="TextBox 3"/>
+          <p:cNvSpPr txBox="1"/>
+          <p:nvPr/>
+        </p:nvSpPr>
+        <p:spPr>
+          <a:xfrm>
+            <a:off x="661181" y="365759"/>
+            <a:ext cx="10156874" cy="584775"/>
+          </a:xfrm>
+          <a:prstGeom prst="rect">
+            <a:avLst/>
+          </a:prstGeom>
+          <a:noFill/>
+        </p:spPr>
+        <p:txBody>
+          <a:bodyPr wrap="square" rtlCol="0">
+            <a:spAutoFit/>
+          </a:bodyPr>
+          <a:lstStyle/>
+          <a:p>
+            <a:pPr marL="342900" indent="-342900">
+              <a:buFont typeface="Wingdings" panose="05000000000000000000" pitchFamily="2" charset="2"/>
+              <a:buChar char="v"/>
+            </a:pPr>
+            <a:r>
+              <a:rPr lang="en-US" sz="3200" b="1"/>
+              <a:t>Multi – class classification</a:t>
+            </a:r>
+          </a:p>
+        </p:txBody>
+      </p:sp>
+      <p:pic>
+        <p:nvPicPr>
+          <p:cNvPr id="5" name="Picture 4"/>
+          <p:cNvPicPr>
+            <a:picLocks noChangeAspect="1"/>
+          </p:cNvPicPr>
+          <p:nvPr/>
+        </p:nvPicPr>
+        <p:blipFill>
+          <a:blip r:embed="rId2"/>
+          <a:stretch>
+            <a:fillRect/>
+          </a:stretch>
+        </p:blipFill>
+        <p:spPr>
+          <a:xfrm>
+            <a:off x="1536969" y="2932161"/>
+            <a:ext cx="8254920" cy="3342030"/>
+          </a:xfrm>
+          <a:prstGeom prst="rect">
+            <a:avLst/>
+          </a:prstGeom>
+        </p:spPr>
+      </p:pic>
+      <p:pic>
+        <p:nvPicPr>
+          <p:cNvPr id="6" name="Picture 5"/>
+          <p:cNvPicPr>
+            <a:picLocks noChangeAspect="1"/>
+          </p:cNvPicPr>
+          <p:nvPr/>
+        </p:nvPicPr>
+        <p:blipFill>
+          <a:blip r:embed="rId3"/>
+          <a:stretch>
+            <a:fillRect/>
+          </a:stretch>
+        </p:blipFill>
+        <p:spPr>
+          <a:xfrm>
+            <a:off x="1033095" y="950534"/>
+            <a:ext cx="9236319" cy="1763090"/>
+          </a:xfrm>
+          <a:prstGeom prst="rect">
+            <a:avLst/>
+          </a:prstGeom>
+        </p:spPr>
+      </p:pic>
+    </p:spTree>
+    <p:extLst>
+      <p:ext uri="{BB962C8B-B14F-4D97-AF65-F5344CB8AC3E}">
+        <p14:creationId xmlns:p14="http://schemas.microsoft.com/office/powerpoint/2010/main" val="3298840635"/>
+      </p:ext>
+    </p:extLst>
+  </p:cSld>
+  <p:clrMapOvr>
+    <a:masterClrMapping/>
+  </p:clrMapOvr>
+</p:sld>
+</file>
+
+<file path=ppt/slides/slide21.xml><?xml version="1.0" encoding="utf-8"?>
+<p:sld xmlns:a="http://schemas.openxmlformats.org/drawingml/2006/main" xmlns:r="http://schemas.openxmlformats.org/officeDocument/2006/relationships" xmlns:p="http://schemas.openxmlformats.org/presentationml/2006/main">
+  <p:cSld>
+    <p:spTree>
+      <p:nvGrpSpPr>
+        <p:cNvPr id="1" name=""/>
+        <p:cNvGrpSpPr/>
+        <p:nvPr/>
+      </p:nvGrpSpPr>
+      <p:grpSpPr>
+        <a:xfrm>
+          <a:off x="0" y="0"/>
+          <a:ext cx="0" cy="0"/>
+          <a:chOff x="0" y="0"/>
+          <a:chExt cx="0" cy="0"/>
+        </a:xfrm>
+      </p:grpSpPr>
+      <p:pic>
+        <p:nvPicPr>
+          <p:cNvPr id="4" name="Picture 3"/>
+          <p:cNvPicPr>
+            <a:picLocks noChangeAspect="1"/>
+          </p:cNvPicPr>
+          <p:nvPr/>
+        </p:nvPicPr>
+        <p:blipFill>
+          <a:blip r:embed="rId2"/>
+          <a:stretch>
+            <a:fillRect/>
+          </a:stretch>
+        </p:blipFill>
+        <p:spPr>
+          <a:xfrm>
+            <a:off x="1322911" y="415508"/>
+            <a:ext cx="7285087" cy="1818582"/>
+          </a:xfrm>
+          <a:prstGeom prst="rect">
+            <a:avLst/>
+          </a:prstGeom>
+        </p:spPr>
+      </p:pic>
+      <p:pic>
+        <p:nvPicPr>
+          <p:cNvPr id="5" name="Picture 4"/>
+          <p:cNvPicPr>
+            <a:picLocks noChangeAspect="1"/>
+          </p:cNvPicPr>
+          <p:nvPr/>
+        </p:nvPicPr>
+        <p:blipFill>
+          <a:blip r:embed="rId3"/>
+          <a:stretch>
+            <a:fillRect/>
+          </a:stretch>
+        </p:blipFill>
+        <p:spPr>
+          <a:xfrm>
+            <a:off x="1322911" y="2742761"/>
+            <a:ext cx="8750984" cy="1833307"/>
+          </a:xfrm>
+          <a:prstGeom prst="rect">
+            <a:avLst/>
+          </a:prstGeom>
+        </p:spPr>
+      </p:pic>
+      <p:pic>
+        <p:nvPicPr>
+          <p:cNvPr id="6" name="Picture 5"/>
+          <p:cNvPicPr>
+            <a:picLocks noChangeAspect="1"/>
+          </p:cNvPicPr>
+          <p:nvPr/>
+        </p:nvPicPr>
+        <p:blipFill>
+          <a:blip r:embed="rId4"/>
+          <a:stretch>
+            <a:fillRect/>
+          </a:stretch>
+        </p:blipFill>
+        <p:spPr>
+          <a:xfrm>
+            <a:off x="1322911" y="4831519"/>
+            <a:ext cx="6345777" cy="1759345"/>
+          </a:xfrm>
+          <a:prstGeom prst="rect">
+            <a:avLst/>
+          </a:prstGeom>
+        </p:spPr>
+      </p:pic>
+    </p:spTree>
+    <p:extLst>
+      <p:ext uri="{BB962C8B-B14F-4D97-AF65-F5344CB8AC3E}">
+        <p14:creationId xmlns:p14="http://schemas.microsoft.com/office/powerpoint/2010/main" val="2717676615"/>
+      </p:ext>
+    </p:extLst>
+  </p:cSld>
+  <p:clrMapOvr>
+    <a:masterClrMapping/>
+  </p:clrMapOvr>
+</p:sld>
+</file>
+
+<file path=ppt/slides/slide22.xml><?xml version="1.0" encoding="utf-8"?>
+<p:sld xmlns:a="http://schemas.openxmlformats.org/drawingml/2006/main" xmlns:r="http://schemas.openxmlformats.org/officeDocument/2006/relationships" xmlns:p="http://schemas.openxmlformats.org/presentationml/2006/main">
+  <p:cSld>
+    <p:spTree>
+      <p:nvGrpSpPr>
+        <p:cNvPr id="1" name=""/>
+        <p:cNvGrpSpPr/>
+        <p:nvPr/>
+      </p:nvGrpSpPr>
+      <p:grpSpPr>
+        <a:xfrm>
+          <a:off x="0" y="0"/>
+          <a:ext cx="0" cy="0"/>
+          <a:chOff x="0" y="0"/>
+          <a:chExt cx="0" cy="0"/>
+        </a:xfrm>
+      </p:grpSpPr>
+      <p:sp>
+        <p:nvSpPr>
+          <p:cNvPr id="2" name="Title 1"/>
+          <p:cNvSpPr>
+            <a:spLocks noGrp="1"/>
+          </p:cNvSpPr>
+          <p:nvPr>
+            <p:ph type="ctrTitle"/>
+          </p:nvPr>
+        </p:nvSpPr>
+        <p:spPr/>
+        <p:txBody>
+          <a:bodyPr/>
+          <a:lstStyle/>
+          <a:p>
+            <a:endParaRPr lang="en-US"/>
+          </a:p>
+        </p:txBody>
+      </p:sp>
+      <p:sp>
+        <p:nvSpPr>
+          <p:cNvPr id="3" name="Subtitle 2"/>
+          <p:cNvSpPr>
+            <a:spLocks noGrp="1"/>
+          </p:cNvSpPr>
+          <p:nvPr>
+            <p:ph type="subTitle" idx="1"/>
+          </p:nvPr>
+        </p:nvSpPr>
+        <p:spPr/>
+        <p:txBody>
+          <a:bodyPr/>
+          <a:lstStyle/>
+          <a:p>
+            <a:endParaRPr lang="en-US"/>
+          </a:p>
+        </p:txBody>
+      </p:sp>
+    </p:spTree>
+    <p:extLst>
+      <p:ext uri="{BB962C8B-B14F-4D97-AF65-F5344CB8AC3E}">
+        <p14:creationId xmlns:p14="http://schemas.microsoft.com/office/powerpoint/2010/main" val="4265478238"/>
+      </p:ext>
+    </p:extLst>
+  </p:cSld>
+  <p:clrMapOvr>
+    <a:masterClrMapping/>
+  </p:clrMapOvr>
+</p:sld>
+</file>
+
 <file path=ppt/slides/slide3.xml><?xml version="1.0" encoding="utf-8"?>
 <p:sld xmlns:a="http://schemas.openxmlformats.org/drawingml/2006/main" xmlns:r="http://schemas.openxmlformats.org/officeDocument/2006/relationships" xmlns:p="http://schemas.openxmlformats.org/presentationml/2006/main">
   <p:cSld>
@@ -3822,8 +5878,8 @@
           </a:p>
         </p:txBody>
       </p:sp>
-      <mc:AlternateContent xmlns:mc="http://schemas.openxmlformats.org/markup-compatibility/2006">
-        <mc:Choice xmlns:a14="http://schemas.microsoft.com/office/drawing/2010/main" Requires="a14">
+      <mc:AlternateContent xmlns:mc="http://schemas.openxmlformats.org/markup-compatibility/2006" xmlns:a14="http://schemas.microsoft.com/office/drawing/2010/main">
+        <mc:Choice Requires="a14">
           <p:sp>
             <p:nvSpPr>
               <p:cNvPr id="3" name="Chỗ dành sẵn cho Nội dung 2">
@@ -4200,7 +6256,7 @@
             </p:txBody>
           </p:sp>
         </mc:Choice>
-        <mc:Fallback>
+        <mc:Fallback xmlns="">
           <p:sp>
             <p:nvSpPr>
               <p:cNvPr id="3" name="Chỗ dành sẵn cho Nội dung 2">
